--- a/demo-ppt/douban.pptx
+++ b/demo-ppt/douban.pptx
@@ -5299,10 +5299,10 @@
       </p:sp>
       <p:pic>
         <p:nvPicPr>
-          <p:cNvPr id="3" name="图片 2">
+          <p:cNvPr id="4" name="图片 3">
             <a:extLst>
               <a:ext uri="{FF2B5EF4-FFF2-40B4-BE49-F238E27FC236}">
-                <a16:creationId xmlns:a16="http://schemas.microsoft.com/office/drawing/2014/main" id="{29E7B84B-9906-4A7F-8DBD-601F3441AD4F}"/>
+                <a16:creationId xmlns:a16="http://schemas.microsoft.com/office/drawing/2014/main" id="{1913BA3E-7A16-4636-B02D-372FD8D2639B}"/>
               </a:ext>
             </a:extLst>
           </p:cNvPr>
@@ -5311,15 +5311,22 @@
           </p:cNvPicPr>
           <p:nvPr/>
         </p:nvPicPr>
-        <p:blipFill rotWithShape="1">
-          <a:blip r:embed="rId2"/>
-          <a:srcRect t="28478"/>
-          <a:stretch/>
+        <p:blipFill>
+          <a:blip r:embed="rId2">
+            <a:extLst>
+              <a:ext uri="{28A0092B-C50C-407E-A947-70E740481C1C}">
+                <a14:useLocalDpi xmlns:a14="http://schemas.microsoft.com/office/drawing/2010/main" val="0"/>
+              </a:ext>
+            </a:extLst>
+          </a:blip>
+          <a:stretch>
+            <a:fillRect/>
+          </a:stretch>
         </p:blipFill>
         <p:spPr>
           <a:xfrm>
-            <a:off x="1060785" y="1586461"/>
-            <a:ext cx="4536452" cy="4470721"/>
+            <a:off x="1381991" y="1661391"/>
+            <a:ext cx="4495800" cy="4495800"/>
           </a:xfrm>
           <a:prstGeom prst="rect">
             <a:avLst/>
